--- a/presentation/anomaly_detection.pptx
+++ b/presentation/anomaly_detection.pptx
@@ -349,7 +349,7 @@
             <a:fld id="{B61BEF0D-F0BB-DE4B-95CE-6DB70DBA9567}" type="datetimeFigureOut">
               <a:rPr lang="en-US" dirty="0"/>
               <a:pPr/>
-              <a:t>11/8/20</a:t>
+              <a:t>11/9/20</a:t>
             </a:fld>
             <a:endParaRPr lang="en-US" dirty="0"/>
           </a:p>
@@ -680,7 +680,7 @@
             <a:fld id="{B61BEF0D-F0BB-DE4B-95CE-6DB70DBA9567}" type="datetimeFigureOut">
               <a:rPr lang="en-US" dirty="0"/>
               <a:pPr/>
-              <a:t>11/8/20</a:t>
+              <a:t>11/9/20</a:t>
             </a:fld>
             <a:endParaRPr lang="en-US" dirty="0"/>
           </a:p>
@@ -955,7 +955,7 @@
             <a:fld id="{B61BEF0D-F0BB-DE4B-95CE-6DB70DBA9567}" type="datetimeFigureOut">
               <a:rPr lang="en-US" dirty="0"/>
               <a:pPr/>
-              <a:t>11/8/20</a:t>
+              <a:t>11/9/20</a:t>
             </a:fld>
             <a:endParaRPr lang="en-US" dirty="0"/>
           </a:p>
@@ -1520,7 +1520,7 @@
             <a:fld id="{B61BEF0D-F0BB-DE4B-95CE-6DB70DBA9567}" type="datetimeFigureOut">
               <a:rPr lang="en-US" dirty="0"/>
               <a:pPr/>
-              <a:t>11/8/20</a:t>
+              <a:t>11/9/20</a:t>
             </a:fld>
             <a:endParaRPr lang="en-US" dirty="0"/>
           </a:p>
@@ -1795,7 +1795,7 @@
             <a:fld id="{B61BEF0D-F0BB-DE4B-95CE-6DB70DBA9567}" type="datetimeFigureOut">
               <a:rPr lang="en-US" dirty="0"/>
               <a:pPr/>
-              <a:t>11/8/20</a:t>
+              <a:t>11/9/20</a:t>
             </a:fld>
             <a:endParaRPr lang="en-US" dirty="0"/>
           </a:p>
@@ -2354,7 +2354,7 @@
             <a:fld id="{B61BEF0D-F0BB-DE4B-95CE-6DB70DBA9567}" type="datetimeFigureOut">
               <a:rPr lang="en-US" dirty="0"/>
               <a:pPr/>
-              <a:t>11/8/20</a:t>
+              <a:t>11/9/20</a:t>
             </a:fld>
             <a:endParaRPr lang="en-US" dirty="0"/>
           </a:p>
@@ -2678,7 +2678,7 @@
             <a:fld id="{B61BEF0D-F0BB-DE4B-95CE-6DB70DBA9567}" type="datetimeFigureOut">
               <a:rPr lang="en-US" dirty="0"/>
               <a:pPr/>
-              <a:t>11/8/20</a:t>
+              <a:t>11/9/20</a:t>
             </a:fld>
             <a:endParaRPr lang="en-US" dirty="0"/>
           </a:p>
@@ -2852,7 +2852,7 @@
             <a:fld id="{B61BEF0D-F0BB-DE4B-95CE-6DB70DBA9567}" type="datetimeFigureOut">
               <a:rPr lang="en-US" dirty="0"/>
               <a:pPr/>
-              <a:t>11/8/20</a:t>
+              <a:t>11/9/20</a:t>
             </a:fld>
             <a:endParaRPr lang="en-US" dirty="0"/>
           </a:p>
@@ -3087,7 +3087,7 @@
             <a:fld id="{B61BEF0D-F0BB-DE4B-95CE-6DB70DBA9567}" type="datetimeFigureOut">
               <a:rPr lang="en-US" dirty="0"/>
               <a:pPr/>
-              <a:t>11/8/20</a:t>
+              <a:t>11/9/20</a:t>
             </a:fld>
             <a:endParaRPr lang="en-US" dirty="0"/>
           </a:p>
@@ -3284,7 +3284,7 @@
             <a:fld id="{B61BEF0D-F0BB-DE4B-95CE-6DB70DBA9567}" type="datetimeFigureOut">
               <a:rPr lang="en-US" dirty="0"/>
               <a:pPr/>
-              <a:t>11/8/20</a:t>
+              <a:t>11/9/20</a:t>
             </a:fld>
             <a:endParaRPr lang="en-US" dirty="0"/>
           </a:p>
@@ -3557,7 +3557,7 @@
             <a:fld id="{B61BEF0D-F0BB-DE4B-95CE-6DB70DBA9567}" type="datetimeFigureOut">
               <a:rPr lang="en-US" dirty="0"/>
               <a:pPr/>
-              <a:t>11/8/20</a:t>
+              <a:t>11/9/20</a:t>
             </a:fld>
             <a:endParaRPr lang="en-US" dirty="0"/>
           </a:p>
@@ -3820,7 +3820,7 @@
             <a:fld id="{B61BEF0D-F0BB-DE4B-95CE-6DB70DBA9567}" type="datetimeFigureOut">
               <a:rPr lang="en-US" dirty="0"/>
               <a:pPr/>
-              <a:t>11/8/20</a:t>
+              <a:t>11/9/20</a:t>
             </a:fld>
             <a:endParaRPr lang="en-US" dirty="0"/>
           </a:p>
@@ -4191,7 +4191,7 @@
             <a:fld id="{B61BEF0D-F0BB-DE4B-95CE-6DB70DBA9567}" type="datetimeFigureOut">
               <a:rPr lang="en-US" dirty="0"/>
               <a:pPr/>
-              <a:t>11/8/20</a:t>
+              <a:t>11/9/20</a:t>
             </a:fld>
             <a:endParaRPr lang="en-US" dirty="0"/>
           </a:p>
@@ -4336,7 +4336,7 @@
             <a:fld id="{B61BEF0D-F0BB-DE4B-95CE-6DB70DBA9567}" type="datetimeFigureOut">
               <a:rPr lang="en-US" dirty="0"/>
               <a:pPr/>
-              <a:t>11/8/20</a:t>
+              <a:t>11/9/20</a:t>
             </a:fld>
             <a:endParaRPr lang="en-US" dirty="0"/>
           </a:p>
@@ -4458,7 +4458,7 @@
             <a:fld id="{B61BEF0D-F0BB-DE4B-95CE-6DB70DBA9567}" type="datetimeFigureOut">
               <a:rPr lang="en-US" dirty="0"/>
               <a:pPr/>
-              <a:t>11/8/20</a:t>
+              <a:t>11/9/20</a:t>
             </a:fld>
             <a:endParaRPr lang="en-US" dirty="0"/>
           </a:p>
@@ -4740,7 +4740,7 @@
             <a:fld id="{B61BEF0D-F0BB-DE4B-95CE-6DB70DBA9567}" type="datetimeFigureOut">
               <a:rPr lang="en-US" dirty="0"/>
               <a:pPr/>
-              <a:t>11/8/20</a:t>
+              <a:t>11/9/20</a:t>
             </a:fld>
             <a:endParaRPr lang="en-US" dirty="0"/>
           </a:p>
@@ -5061,7 +5061,7 @@
             <a:fld id="{B61BEF0D-F0BB-DE4B-95CE-6DB70DBA9567}" type="datetimeFigureOut">
               <a:rPr lang="en-US" dirty="0"/>
               <a:pPr/>
-              <a:t>11/8/20</a:t>
+              <a:t>11/9/20</a:t>
             </a:fld>
             <a:endParaRPr lang="en-US" dirty="0"/>
           </a:p>
@@ -5272,7 +5272,7 @@
             <a:fld id="{B61BEF0D-F0BB-DE4B-95CE-6DB70DBA9567}" type="datetimeFigureOut">
               <a:rPr lang="en-US" dirty="0"/>
               <a:pPr/>
-              <a:t>11/8/20</a:t>
+              <a:t>11/9/20</a:t>
             </a:fld>
             <a:endParaRPr lang="en-US" dirty="0"/>
           </a:p>
@@ -6617,6 +6617,17 @@
           </a:p>
           <a:p>
             <a:pPr lvl="1"/>
+            <a:r>
+              <a:rPr lang="en-US" dirty="0">
+                <a:latin typeface="Tahoma" panose="020B0604030504040204" pitchFamily="34" charset="0"/>
+                <a:ea typeface="Tahoma" panose="020B0604030504040204" pitchFamily="34" charset="0"/>
+                <a:cs typeface="Tahoma" panose="020B0604030504040204" pitchFamily="34" charset="0"/>
+              </a:rPr>
+              <a:t>Compare to threshold</a:t>
+            </a:r>
+          </a:p>
+          <a:p>
+            <a:pPr lvl="1"/>
             <a:endParaRPr lang="en-US" dirty="0">
               <a:latin typeface="Tahoma" panose="020B0604030504040204" pitchFamily="34" charset="0"/>
               <a:ea typeface="Tahoma" panose="020B0604030504040204" pitchFamily="34" charset="0"/>
@@ -7074,7 +7085,9 @@
         </p:nvSpPr>
         <p:spPr/>
         <p:txBody>
-          <a:bodyPr anchor="t"/>
+          <a:bodyPr anchor="t">
+            <a:normAutofit fontScale="92500" lnSpcReduction="10000"/>
+          </a:bodyPr>
           <a:lstStyle/>
           <a:p>
             <a:r>
@@ -7219,10 +7232,22 @@
                 <a:ea typeface="Tahoma" panose="020B0604030504040204" pitchFamily="34" charset="0"/>
                 <a:cs typeface="Tahoma" panose="020B0604030504040204" pitchFamily="34" charset="0"/>
               </a:rPr>
+              <a:t>Open-source:</a:t>
+            </a:r>
+          </a:p>
+          <a:p>
+            <a:pPr lvl="1"/>
+            <a:r>
+              <a:rPr lang="en-US" dirty="0">
+                <a:latin typeface="Tahoma" panose="020B0604030504040204" pitchFamily="34" charset="0"/>
+                <a:ea typeface="Tahoma" panose="020B0604030504040204" pitchFamily="34" charset="0"/>
+                <a:cs typeface="Tahoma" panose="020B0604030504040204" pitchFamily="34" charset="0"/>
+              </a:rPr>
               <a:t>Scikit-learn</a:t>
             </a:r>
           </a:p>
           <a:p>
+            <a:pPr lvl="1"/>
             <a:r>
               <a:rPr lang="en-US" dirty="0">
                 <a:latin typeface="Tahoma" panose="020B0604030504040204" pitchFamily="34" charset="0"/>
@@ -7233,6 +7258,7 @@
             </a:r>
           </a:p>
           <a:p>
+            <a:pPr lvl="1"/>
             <a:r>
               <a:rPr lang="en-US" dirty="0">
                 <a:latin typeface="Tahoma" panose="020B0604030504040204" pitchFamily="34" charset="0"/>

--- a/presentation/anomaly_detection.pptx
+++ b/presentation/anomaly_detection.pptx
@@ -349,7 +349,7 @@
             <a:fld id="{B61BEF0D-F0BB-DE4B-95CE-6DB70DBA9567}" type="datetimeFigureOut">
               <a:rPr lang="en-US" dirty="0"/>
               <a:pPr/>
-              <a:t>11/9/20</a:t>
+              <a:t>11/10/20</a:t>
             </a:fld>
             <a:endParaRPr lang="en-US" dirty="0"/>
           </a:p>
@@ -680,7 +680,7 @@
             <a:fld id="{B61BEF0D-F0BB-DE4B-95CE-6DB70DBA9567}" type="datetimeFigureOut">
               <a:rPr lang="en-US" dirty="0"/>
               <a:pPr/>
-              <a:t>11/9/20</a:t>
+              <a:t>11/10/20</a:t>
             </a:fld>
             <a:endParaRPr lang="en-US" dirty="0"/>
           </a:p>
@@ -955,7 +955,7 @@
             <a:fld id="{B61BEF0D-F0BB-DE4B-95CE-6DB70DBA9567}" type="datetimeFigureOut">
               <a:rPr lang="en-US" dirty="0"/>
               <a:pPr/>
-              <a:t>11/9/20</a:t>
+              <a:t>11/10/20</a:t>
             </a:fld>
             <a:endParaRPr lang="en-US" dirty="0"/>
           </a:p>
@@ -1520,7 +1520,7 @@
             <a:fld id="{B61BEF0D-F0BB-DE4B-95CE-6DB70DBA9567}" type="datetimeFigureOut">
               <a:rPr lang="en-US" dirty="0"/>
               <a:pPr/>
-              <a:t>11/9/20</a:t>
+              <a:t>11/10/20</a:t>
             </a:fld>
             <a:endParaRPr lang="en-US" dirty="0"/>
           </a:p>
@@ -1795,7 +1795,7 @@
             <a:fld id="{B61BEF0D-F0BB-DE4B-95CE-6DB70DBA9567}" type="datetimeFigureOut">
               <a:rPr lang="en-US" dirty="0"/>
               <a:pPr/>
-              <a:t>11/9/20</a:t>
+              <a:t>11/10/20</a:t>
             </a:fld>
             <a:endParaRPr lang="en-US" dirty="0"/>
           </a:p>
@@ -2354,7 +2354,7 @@
             <a:fld id="{B61BEF0D-F0BB-DE4B-95CE-6DB70DBA9567}" type="datetimeFigureOut">
               <a:rPr lang="en-US" dirty="0"/>
               <a:pPr/>
-              <a:t>11/9/20</a:t>
+              <a:t>11/10/20</a:t>
             </a:fld>
             <a:endParaRPr lang="en-US" dirty="0"/>
           </a:p>
@@ -2678,7 +2678,7 @@
             <a:fld id="{B61BEF0D-F0BB-DE4B-95CE-6DB70DBA9567}" type="datetimeFigureOut">
               <a:rPr lang="en-US" dirty="0"/>
               <a:pPr/>
-              <a:t>11/9/20</a:t>
+              <a:t>11/10/20</a:t>
             </a:fld>
             <a:endParaRPr lang="en-US" dirty="0"/>
           </a:p>
@@ -2852,7 +2852,7 @@
             <a:fld id="{B61BEF0D-F0BB-DE4B-95CE-6DB70DBA9567}" type="datetimeFigureOut">
               <a:rPr lang="en-US" dirty="0"/>
               <a:pPr/>
-              <a:t>11/9/20</a:t>
+              <a:t>11/10/20</a:t>
             </a:fld>
             <a:endParaRPr lang="en-US" dirty="0"/>
           </a:p>
@@ -3087,7 +3087,7 @@
             <a:fld id="{B61BEF0D-F0BB-DE4B-95CE-6DB70DBA9567}" type="datetimeFigureOut">
               <a:rPr lang="en-US" dirty="0"/>
               <a:pPr/>
-              <a:t>11/9/20</a:t>
+              <a:t>11/10/20</a:t>
             </a:fld>
             <a:endParaRPr lang="en-US" dirty="0"/>
           </a:p>
@@ -3284,7 +3284,7 @@
             <a:fld id="{B61BEF0D-F0BB-DE4B-95CE-6DB70DBA9567}" type="datetimeFigureOut">
               <a:rPr lang="en-US" dirty="0"/>
               <a:pPr/>
-              <a:t>11/9/20</a:t>
+              <a:t>11/10/20</a:t>
             </a:fld>
             <a:endParaRPr lang="en-US" dirty="0"/>
           </a:p>
@@ -3557,7 +3557,7 @@
             <a:fld id="{B61BEF0D-F0BB-DE4B-95CE-6DB70DBA9567}" type="datetimeFigureOut">
               <a:rPr lang="en-US" dirty="0"/>
               <a:pPr/>
-              <a:t>11/9/20</a:t>
+              <a:t>11/10/20</a:t>
             </a:fld>
             <a:endParaRPr lang="en-US" dirty="0"/>
           </a:p>
@@ -3820,7 +3820,7 @@
             <a:fld id="{B61BEF0D-F0BB-DE4B-95CE-6DB70DBA9567}" type="datetimeFigureOut">
               <a:rPr lang="en-US" dirty="0"/>
               <a:pPr/>
-              <a:t>11/9/20</a:t>
+              <a:t>11/10/20</a:t>
             </a:fld>
             <a:endParaRPr lang="en-US" dirty="0"/>
           </a:p>
@@ -4191,7 +4191,7 @@
             <a:fld id="{B61BEF0D-F0BB-DE4B-95CE-6DB70DBA9567}" type="datetimeFigureOut">
               <a:rPr lang="en-US" dirty="0"/>
               <a:pPr/>
-              <a:t>11/9/20</a:t>
+              <a:t>11/10/20</a:t>
             </a:fld>
             <a:endParaRPr lang="en-US" dirty="0"/>
           </a:p>
@@ -4336,7 +4336,7 @@
             <a:fld id="{B61BEF0D-F0BB-DE4B-95CE-6DB70DBA9567}" type="datetimeFigureOut">
               <a:rPr lang="en-US" dirty="0"/>
               <a:pPr/>
-              <a:t>11/9/20</a:t>
+              <a:t>11/10/20</a:t>
             </a:fld>
             <a:endParaRPr lang="en-US" dirty="0"/>
           </a:p>
@@ -4458,7 +4458,7 @@
             <a:fld id="{B61BEF0D-F0BB-DE4B-95CE-6DB70DBA9567}" type="datetimeFigureOut">
               <a:rPr lang="en-US" dirty="0"/>
               <a:pPr/>
-              <a:t>11/9/20</a:t>
+              <a:t>11/10/20</a:t>
             </a:fld>
             <a:endParaRPr lang="en-US" dirty="0"/>
           </a:p>
@@ -4740,7 +4740,7 @@
             <a:fld id="{B61BEF0D-F0BB-DE4B-95CE-6DB70DBA9567}" type="datetimeFigureOut">
               <a:rPr lang="en-US" dirty="0"/>
               <a:pPr/>
-              <a:t>11/9/20</a:t>
+              <a:t>11/10/20</a:t>
             </a:fld>
             <a:endParaRPr lang="en-US" dirty="0"/>
           </a:p>
@@ -5061,7 +5061,7 @@
             <a:fld id="{B61BEF0D-F0BB-DE4B-95CE-6DB70DBA9567}" type="datetimeFigureOut">
               <a:rPr lang="en-US" dirty="0"/>
               <a:pPr/>
-              <a:t>11/9/20</a:t>
+              <a:t>11/10/20</a:t>
             </a:fld>
             <a:endParaRPr lang="en-US" dirty="0"/>
           </a:p>
@@ -5272,7 +5272,7 @@
             <a:fld id="{B61BEF0D-F0BB-DE4B-95CE-6DB70DBA9567}" type="datetimeFigureOut">
               <a:rPr lang="en-US" dirty="0"/>
               <a:pPr/>
-              <a:t>11/9/20</a:t>
+              <a:t>11/10/20</a:t>
             </a:fld>
             <a:endParaRPr lang="en-US" dirty="0"/>
           </a:p>
@@ -6587,7 +6587,7 @@
         <p:spPr>
           <a:xfrm>
             <a:off x="802178" y="2261420"/>
-            <a:ext cx="3759883" cy="3637935"/>
+            <a:ext cx="3759883" cy="3493337"/>
           </a:xfrm>
         </p:spPr>
         <p:txBody>
